--- a/SI/ANALISIS ENTERPRISE ARCHITECTURE PLANNING METODE TOGAF DALAM PERGURUAN.pptx
+++ b/SI/ANALISIS ENTERPRISE ARCHITECTURE PLANNING METODE TOGAF DALAM PERGURUAN.pptx
@@ -117,6 +117,11 @@
       </a:defRPr>
     </a:lvl9pPr>
   </p:defaultTextStyle>
+  <p:extLst>
+    <p:ext uri="{EFAFB233-063F-42B5-8137-9DF3F51BA10A}">
+      <p15:sldGuideLst xmlns:p15="http://schemas.microsoft.com/office/powerpoint/2012/main"/>
+    </p:ext>
+  </p:extLst>
 </p:presentation>
 </file>
 
@@ -170,7 +175,7 @@
           <a:noFill/>
           <a:extLst>
             <a:ext uri="{909E8E84-426E-40dd-AFC4-6F175D3DCCD1}">
-              <a14:hiddenFill xmlns:a14="http://schemas.microsoft.com/office/drawing/2010/main" xmlns="">
+              <a14:hiddenFill xmlns="" xmlns:a14="http://schemas.microsoft.com/office/drawing/2010/main">
                 <a:solidFill>
                   <a:srgbClr val="FFFFFF"/>
                 </a:solidFill>
@@ -230,7 +235,7 @@
             </a:ln>
             <a:extLst>
               <a:ext uri="{91240B29-F687-4f45-9708-019B960494DF}">
-                <a14:hiddenLine xmlns:a14="http://schemas.microsoft.com/office/drawing/2010/main" xmlns="" w="9525">
+                <a14:hiddenLine xmlns="" xmlns:a14="http://schemas.microsoft.com/office/drawing/2010/main" w="9525">
                   <a:solidFill>
                     <a:srgbClr val="000000"/>
                   </a:solidFill>
@@ -320,7 +325,7 @@
             </a:ln>
             <a:extLst>
               <a:ext uri="{91240B29-F687-4f45-9708-019B960494DF}">
-                <a14:hiddenLine xmlns:a14="http://schemas.microsoft.com/office/drawing/2010/main" xmlns="" w="9525">
+                <a14:hiddenLine xmlns="" xmlns:a14="http://schemas.microsoft.com/office/drawing/2010/main" w="9525">
                   <a:solidFill>
                     <a:srgbClr val="000000"/>
                   </a:solidFill>
@@ -410,7 +415,7 @@
             </a:ln>
             <a:extLst>
               <a:ext uri="{91240B29-F687-4f45-9708-019B960494DF}">
-                <a14:hiddenLine xmlns:a14="http://schemas.microsoft.com/office/drawing/2010/main" xmlns="" w="9525">
+                <a14:hiddenLine xmlns="" xmlns:a14="http://schemas.microsoft.com/office/drawing/2010/main" w="9525">
                   <a:solidFill>
                     <a:srgbClr val="000000"/>
                   </a:solidFill>
@@ -444,7 +449,7 @@
             </a:ln>
             <a:extLst>
               <a:ext uri="{91240B29-F687-4f45-9708-019B960494DF}">
-                <a14:hiddenLine xmlns:a14="http://schemas.microsoft.com/office/drawing/2010/main" xmlns="" w="9525">
+                <a14:hiddenLine xmlns="" xmlns:a14="http://schemas.microsoft.com/office/drawing/2010/main" w="9525">
                   <a:solidFill>
                     <a:srgbClr val="000000"/>
                   </a:solidFill>
@@ -534,7 +539,7 @@
             </a:ln>
             <a:extLst>
               <a:ext uri="{91240B29-F687-4f45-9708-019B960494DF}">
-                <a14:hiddenLine xmlns:a14="http://schemas.microsoft.com/office/drawing/2010/main" xmlns="" w="9525">
+                <a14:hiddenLine xmlns="" xmlns:a14="http://schemas.microsoft.com/office/drawing/2010/main" w="9525">
                   <a:solidFill>
                     <a:srgbClr val="000000"/>
                   </a:solidFill>
@@ -596,7 +601,7 @@
             </a:ln>
             <a:extLst>
               <a:ext uri="{91240B29-F687-4f45-9708-019B960494DF}">
-                <a14:hiddenLine xmlns:a14="http://schemas.microsoft.com/office/drawing/2010/main" xmlns="" w="9525">
+                <a14:hiddenLine xmlns="" xmlns:a14="http://schemas.microsoft.com/office/drawing/2010/main" w="9525">
                   <a:solidFill>
                     <a:srgbClr val="000000"/>
                   </a:solidFill>
@@ -658,7 +663,7 @@
             </a:ln>
             <a:extLst>
               <a:ext uri="{91240B29-F687-4f45-9708-019B960494DF}">
-                <a14:hiddenLine xmlns:a14="http://schemas.microsoft.com/office/drawing/2010/main" xmlns="" w="9525">
+                <a14:hiddenLine xmlns="" xmlns:a14="http://schemas.microsoft.com/office/drawing/2010/main" w="9525">
                   <a:solidFill>
                     <a:srgbClr val="000000"/>
                   </a:solidFill>
@@ -748,7 +753,7 @@
             </a:ln>
             <a:extLst>
               <a:ext uri="{91240B29-F687-4f45-9708-019B960494DF}">
-                <a14:hiddenLine xmlns:a14="http://schemas.microsoft.com/office/drawing/2010/main" xmlns="" w="9525">
+                <a14:hiddenLine xmlns="" xmlns:a14="http://schemas.microsoft.com/office/drawing/2010/main" w="9525">
                   <a:solidFill>
                     <a:srgbClr val="000000"/>
                   </a:solidFill>
@@ -810,7 +815,7 @@
             </a:ln>
             <a:extLst>
               <a:ext uri="{91240B29-F687-4f45-9708-019B960494DF}">
-                <a14:hiddenLine xmlns:a14="http://schemas.microsoft.com/office/drawing/2010/main" xmlns="" w="9525">
+                <a14:hiddenLine xmlns="" xmlns:a14="http://schemas.microsoft.com/office/drawing/2010/main" w="9525">
                   <a:solidFill>
                     <a:srgbClr val="000000"/>
                   </a:solidFill>
@@ -872,7 +877,7 @@
             </a:ln>
             <a:extLst>
               <a:ext uri="{91240B29-F687-4f45-9708-019B960494DF}">
-                <a14:hiddenLine xmlns:a14="http://schemas.microsoft.com/office/drawing/2010/main" xmlns="" w="9525">
+                <a14:hiddenLine xmlns="" xmlns:a14="http://schemas.microsoft.com/office/drawing/2010/main" w="9525">
                   <a:solidFill>
                     <a:srgbClr val="000000"/>
                   </a:solidFill>
@@ -962,7 +967,7 @@
             </a:ln>
             <a:extLst>
               <a:ext uri="{91240B29-F687-4f45-9708-019B960494DF}">
-                <a14:hiddenLine xmlns:a14="http://schemas.microsoft.com/office/drawing/2010/main" xmlns="" w="9525">
+                <a14:hiddenLine xmlns="" xmlns:a14="http://schemas.microsoft.com/office/drawing/2010/main" w="9525">
                   <a:solidFill>
                     <a:srgbClr val="000000"/>
                   </a:solidFill>
@@ -1052,7 +1057,7 @@
             </a:ln>
             <a:extLst>
               <a:ext uri="{91240B29-F687-4f45-9708-019B960494DF}">
-                <a14:hiddenLine xmlns:a14="http://schemas.microsoft.com/office/drawing/2010/main" xmlns="" w="9525">
+                <a14:hiddenLine xmlns="" xmlns:a14="http://schemas.microsoft.com/office/drawing/2010/main" w="9525">
                   <a:solidFill>
                     <a:srgbClr val="000000"/>
                   </a:solidFill>
@@ -1114,7 +1119,7 @@
             </a:ln>
             <a:extLst>
               <a:ext uri="{91240B29-F687-4f45-9708-019B960494DF}">
-                <a14:hiddenLine xmlns:a14="http://schemas.microsoft.com/office/drawing/2010/main" xmlns="" w="9525">
+                <a14:hiddenLine xmlns="" xmlns:a14="http://schemas.microsoft.com/office/drawing/2010/main" w="9525">
                   <a:solidFill>
                     <a:srgbClr val="000000"/>
                   </a:solidFill>
@@ -1224,7 +1229,7 @@
             </a:ln>
             <a:extLst>
               <a:ext uri="{91240B29-F687-4f45-9708-019B960494DF}">
-                <a14:hiddenLine xmlns:a14="http://schemas.microsoft.com/office/drawing/2010/main" xmlns="" w="9525">
+                <a14:hiddenLine xmlns="" xmlns:a14="http://schemas.microsoft.com/office/drawing/2010/main" w="9525">
                   <a:solidFill>
                     <a:srgbClr val="000000"/>
                   </a:solidFill>
@@ -1286,7 +1291,7 @@
             </a:ln>
             <a:extLst>
               <a:ext uri="{91240B29-F687-4f45-9708-019B960494DF}">
-                <a14:hiddenLine xmlns:a14="http://schemas.microsoft.com/office/drawing/2010/main" xmlns="" w="9525">
+                <a14:hiddenLine xmlns="" xmlns:a14="http://schemas.microsoft.com/office/drawing/2010/main" w="9525">
                   <a:solidFill>
                     <a:srgbClr val="000000"/>
                   </a:solidFill>
@@ -1376,7 +1381,7 @@
             </a:ln>
             <a:extLst>
               <a:ext uri="{91240B29-F687-4f45-9708-019B960494DF}">
-                <a14:hiddenLine xmlns:a14="http://schemas.microsoft.com/office/drawing/2010/main" xmlns="" w="9525">
+                <a14:hiddenLine xmlns="" xmlns:a14="http://schemas.microsoft.com/office/drawing/2010/main" w="9525">
                   <a:solidFill>
                     <a:srgbClr val="000000"/>
                   </a:solidFill>
@@ -1466,7 +1471,7 @@
             </a:ln>
             <a:extLst>
               <a:ext uri="{91240B29-F687-4f45-9708-019B960494DF}">
-                <a14:hiddenLine xmlns:a14="http://schemas.microsoft.com/office/drawing/2010/main" xmlns="" w="9525">
+                <a14:hiddenLine xmlns="" xmlns:a14="http://schemas.microsoft.com/office/drawing/2010/main" w="9525">
                   <a:solidFill>
                     <a:srgbClr val="000000"/>
                   </a:solidFill>
@@ -1528,7 +1533,7 @@
             </a:ln>
             <a:extLst>
               <a:ext uri="{91240B29-F687-4f45-9708-019B960494DF}">
-                <a14:hiddenLine xmlns:a14="http://schemas.microsoft.com/office/drawing/2010/main" xmlns="" w="9525">
+                <a14:hiddenLine xmlns="" xmlns:a14="http://schemas.microsoft.com/office/drawing/2010/main" w="9525">
                   <a:solidFill>
                     <a:srgbClr val="000000"/>
                   </a:solidFill>
@@ -1618,7 +1623,7 @@
             </a:ln>
             <a:extLst>
               <a:ext uri="{91240B29-F687-4f45-9708-019B960494DF}">
-                <a14:hiddenLine xmlns:a14="http://schemas.microsoft.com/office/drawing/2010/main" xmlns="" w="9525">
+                <a14:hiddenLine xmlns="" xmlns:a14="http://schemas.microsoft.com/office/drawing/2010/main" w="9525">
                   <a:solidFill>
                     <a:srgbClr val="000000"/>
                   </a:solidFill>
@@ -1708,7 +1713,7 @@
             </a:ln>
             <a:extLst>
               <a:ext uri="{91240B29-F687-4f45-9708-019B960494DF}">
-                <a14:hiddenLine xmlns:a14="http://schemas.microsoft.com/office/drawing/2010/main" xmlns="" w="9525">
+                <a14:hiddenLine xmlns="" xmlns:a14="http://schemas.microsoft.com/office/drawing/2010/main" w="9525">
                   <a:solidFill>
                     <a:srgbClr val="000000"/>
                   </a:solidFill>
@@ -1764,7 +1769,7 @@
             </a:ln>
             <a:extLst>
               <a:ext uri="{91240B29-F687-4f45-9708-019B960494DF}">
-                <a14:hiddenLine xmlns:a14="http://schemas.microsoft.com/office/drawing/2010/main" xmlns="" w="9525">
+                <a14:hiddenLine xmlns="" xmlns:a14="http://schemas.microsoft.com/office/drawing/2010/main" w="9525">
                   <a:solidFill>
                     <a:srgbClr val="000000"/>
                   </a:solidFill>
@@ -1854,7 +1859,7 @@
             </a:ln>
             <a:extLst>
               <a:ext uri="{91240B29-F687-4f45-9708-019B960494DF}">
-                <a14:hiddenLine xmlns:a14="http://schemas.microsoft.com/office/drawing/2010/main" xmlns="" w="9525">
+                <a14:hiddenLine xmlns="" xmlns:a14="http://schemas.microsoft.com/office/drawing/2010/main" w="9525">
                   <a:solidFill>
                     <a:srgbClr val="000000"/>
                   </a:solidFill>
@@ -1910,7 +1915,7 @@
             </a:ln>
             <a:extLst>
               <a:ext uri="{91240B29-F687-4f45-9708-019B960494DF}">
-                <a14:hiddenLine xmlns:a14="http://schemas.microsoft.com/office/drawing/2010/main" xmlns="" w="9525">
+                <a14:hiddenLine xmlns="" xmlns:a14="http://schemas.microsoft.com/office/drawing/2010/main" w="9525">
                   <a:solidFill>
                     <a:srgbClr val="000000"/>
                   </a:solidFill>
@@ -2000,7 +2005,7 @@
             </a:ln>
             <a:extLst>
               <a:ext uri="{91240B29-F687-4f45-9708-019B960494DF}">
-                <a14:hiddenLine xmlns:a14="http://schemas.microsoft.com/office/drawing/2010/main" xmlns="" w="9525">
+                <a14:hiddenLine xmlns="" xmlns:a14="http://schemas.microsoft.com/office/drawing/2010/main" w="9525">
                   <a:solidFill>
                     <a:srgbClr val="000000"/>
                   </a:solidFill>
@@ -2068,7 +2073,7 @@
             </a:ln>
             <a:extLst>
               <a:ext uri="{91240B29-F687-4f45-9708-019B960494DF}">
-                <a14:hiddenLine xmlns:a14="http://schemas.microsoft.com/office/drawing/2010/main" xmlns="" w="9525">
+                <a14:hiddenLine xmlns="" xmlns:a14="http://schemas.microsoft.com/office/drawing/2010/main" w="9525">
                   <a:solidFill>
                     <a:srgbClr val="000000"/>
                   </a:solidFill>
@@ -2158,7 +2163,7 @@
             </a:ln>
             <a:extLst>
               <a:ext uri="{91240B29-F687-4f45-9708-019B960494DF}">
-                <a14:hiddenLine xmlns:a14="http://schemas.microsoft.com/office/drawing/2010/main" xmlns="" w="9525">
+                <a14:hiddenLine xmlns="" xmlns:a14="http://schemas.microsoft.com/office/drawing/2010/main" w="9525">
                   <a:solidFill>
                     <a:srgbClr val="000000"/>
                   </a:solidFill>
@@ -2226,7 +2231,7 @@
             </a:ln>
             <a:extLst>
               <a:ext uri="{91240B29-F687-4f45-9708-019B960494DF}">
-                <a14:hiddenLine xmlns:a14="http://schemas.microsoft.com/office/drawing/2010/main" xmlns="" w="9525">
+                <a14:hiddenLine xmlns="" xmlns:a14="http://schemas.microsoft.com/office/drawing/2010/main" w="9525">
                   <a:solidFill>
                     <a:srgbClr val="000000"/>
                   </a:solidFill>
@@ -2316,7 +2321,7 @@
             </a:ln>
             <a:extLst>
               <a:ext uri="{91240B29-F687-4f45-9708-019B960494DF}">
-                <a14:hiddenLine xmlns:a14="http://schemas.microsoft.com/office/drawing/2010/main" xmlns="" w="9525">
+                <a14:hiddenLine xmlns="" xmlns:a14="http://schemas.microsoft.com/office/drawing/2010/main" w="9525">
                   <a:solidFill>
                     <a:srgbClr val="000000"/>
                   </a:solidFill>
@@ -2350,7 +2355,7 @@
             </a:ln>
             <a:extLst>
               <a:ext uri="{91240B29-F687-4f45-9708-019B960494DF}">
-                <a14:hiddenLine xmlns:a14="http://schemas.microsoft.com/office/drawing/2010/main" xmlns="" w="9525">
+                <a14:hiddenLine xmlns="" xmlns:a14="http://schemas.microsoft.com/office/drawing/2010/main" w="9525">
                   <a:solidFill>
                     <a:srgbClr val="000000"/>
                   </a:solidFill>
@@ -2440,7 +2445,7 @@
             </a:ln>
             <a:extLst>
               <a:ext uri="{91240B29-F687-4f45-9708-019B960494DF}">
-                <a14:hiddenLine xmlns:a14="http://schemas.microsoft.com/office/drawing/2010/main" xmlns="" w="9525">
+                <a14:hiddenLine xmlns="" xmlns:a14="http://schemas.microsoft.com/office/drawing/2010/main" w="9525">
                   <a:solidFill>
                     <a:srgbClr val="000000"/>
                   </a:solidFill>
@@ -2502,7 +2507,7 @@
             </a:ln>
             <a:extLst>
               <a:ext uri="{91240B29-F687-4f45-9708-019B960494DF}">
-                <a14:hiddenLine xmlns:a14="http://schemas.microsoft.com/office/drawing/2010/main" xmlns="" w="9525">
+                <a14:hiddenLine xmlns="" xmlns:a14="http://schemas.microsoft.com/office/drawing/2010/main" w="9525">
                   <a:solidFill>
                     <a:srgbClr val="000000"/>
                   </a:solidFill>
@@ -2564,7 +2569,7 @@
             </a:ln>
             <a:extLst>
               <a:ext uri="{91240B29-F687-4f45-9708-019B960494DF}">
-                <a14:hiddenLine xmlns:a14="http://schemas.microsoft.com/office/drawing/2010/main" xmlns="" w="9525">
+                <a14:hiddenLine xmlns="" xmlns:a14="http://schemas.microsoft.com/office/drawing/2010/main" w="9525">
                   <a:solidFill>
                     <a:srgbClr val="000000"/>
                   </a:solidFill>
@@ -2654,7 +2659,7 @@
             </a:ln>
             <a:extLst>
               <a:ext uri="{91240B29-F687-4f45-9708-019B960494DF}">
-                <a14:hiddenLine xmlns:a14="http://schemas.microsoft.com/office/drawing/2010/main" xmlns="" w="9525">
+                <a14:hiddenLine xmlns="" xmlns:a14="http://schemas.microsoft.com/office/drawing/2010/main" w="9525">
                   <a:solidFill>
                     <a:srgbClr val="000000"/>
                   </a:solidFill>
@@ -2722,7 +2727,7 @@
             </a:ln>
             <a:extLst>
               <a:ext uri="{91240B29-F687-4f45-9708-019B960494DF}">
-                <a14:hiddenLine xmlns:a14="http://schemas.microsoft.com/office/drawing/2010/main" xmlns="" w="9525">
+                <a14:hiddenLine xmlns="" xmlns:a14="http://schemas.microsoft.com/office/drawing/2010/main" w="9525">
                   <a:solidFill>
                     <a:srgbClr val="000000"/>
                   </a:solidFill>
@@ -2784,7 +2789,7 @@
             </a:ln>
             <a:extLst>
               <a:ext uri="{91240B29-F687-4f45-9708-019B960494DF}">
-                <a14:hiddenLine xmlns:a14="http://schemas.microsoft.com/office/drawing/2010/main" xmlns="" w="9525">
+                <a14:hiddenLine xmlns="" xmlns:a14="http://schemas.microsoft.com/office/drawing/2010/main" w="9525">
                   <a:solidFill>
                     <a:srgbClr val="000000"/>
                   </a:solidFill>
@@ -2874,7 +2879,7 @@
             </a:ln>
             <a:extLst>
               <a:ext uri="{91240B29-F687-4f45-9708-019B960494DF}">
-                <a14:hiddenLine xmlns:a14="http://schemas.microsoft.com/office/drawing/2010/main" xmlns="" w="9525">
+                <a14:hiddenLine xmlns="" xmlns:a14="http://schemas.microsoft.com/office/drawing/2010/main" w="9525">
                   <a:solidFill>
                     <a:srgbClr val="000000"/>
                   </a:solidFill>
@@ -2936,7 +2941,7 @@
             </a:ln>
             <a:extLst>
               <a:ext uri="{91240B29-F687-4f45-9708-019B960494DF}">
-                <a14:hiddenLine xmlns:a14="http://schemas.microsoft.com/office/drawing/2010/main" xmlns="" w="9525">
+                <a14:hiddenLine xmlns="" xmlns:a14="http://schemas.microsoft.com/office/drawing/2010/main" w="9525">
                   <a:solidFill>
                     <a:srgbClr val="000000"/>
                   </a:solidFill>
@@ -3026,7 +3031,7 @@
             </a:ln>
             <a:extLst>
               <a:ext uri="{91240B29-F687-4f45-9708-019B960494DF}">
-                <a14:hiddenLine xmlns:a14="http://schemas.microsoft.com/office/drawing/2010/main" xmlns="" w="9525">
+                <a14:hiddenLine xmlns="" xmlns:a14="http://schemas.microsoft.com/office/drawing/2010/main" w="9525">
                   <a:solidFill>
                     <a:srgbClr val="000000"/>
                   </a:solidFill>
@@ -3088,7 +3093,7 @@
             </a:ln>
             <a:extLst>
               <a:ext uri="{91240B29-F687-4f45-9708-019B960494DF}">
-                <a14:hiddenLine xmlns:a14="http://schemas.microsoft.com/office/drawing/2010/main" xmlns="" w="9525">
+                <a14:hiddenLine xmlns="" xmlns:a14="http://schemas.microsoft.com/office/drawing/2010/main" w="9525">
                   <a:solidFill>
                     <a:srgbClr val="000000"/>
                   </a:solidFill>
@@ -3178,7 +3183,7 @@
             </a:ln>
             <a:extLst>
               <a:ext uri="{91240B29-F687-4f45-9708-019B960494DF}">
-                <a14:hiddenLine xmlns:a14="http://schemas.microsoft.com/office/drawing/2010/main" xmlns="" w="9525">
+                <a14:hiddenLine xmlns="" xmlns:a14="http://schemas.microsoft.com/office/drawing/2010/main" w="9525">
                   <a:solidFill>
                     <a:srgbClr val="000000"/>
                   </a:solidFill>
@@ -3212,7 +3217,7 @@
             </a:ln>
             <a:extLst>
               <a:ext uri="{91240B29-F687-4f45-9708-019B960494DF}">
-                <a14:hiddenLine xmlns:a14="http://schemas.microsoft.com/office/drawing/2010/main" xmlns="" w="9525">
+                <a14:hiddenLine xmlns="" xmlns:a14="http://schemas.microsoft.com/office/drawing/2010/main" w="9525">
                   <a:solidFill>
                     <a:srgbClr val="000000"/>
                   </a:solidFill>
@@ -3277,7 +3282,7 @@
             </a:ln>
             <a:extLst>
               <a:ext uri="{91240B29-F687-4f45-9708-019B960494DF}">
-                <a14:hiddenLine xmlns:a14="http://schemas.microsoft.com/office/drawing/2010/main" xmlns="" w="9525">
+                <a14:hiddenLine xmlns="" xmlns:a14="http://schemas.microsoft.com/office/drawing/2010/main" w="9525">
                   <a:solidFill>
                     <a:srgbClr val="000000"/>
                   </a:solidFill>
@@ -3367,7 +3372,7 @@
             </a:ln>
             <a:extLst>
               <a:ext uri="{91240B29-F687-4f45-9708-019B960494DF}">
-                <a14:hiddenLine xmlns:a14="http://schemas.microsoft.com/office/drawing/2010/main" xmlns="" w="9525">
+                <a14:hiddenLine xmlns="" xmlns:a14="http://schemas.microsoft.com/office/drawing/2010/main" w="9525">
                   <a:solidFill>
                     <a:srgbClr val="000000"/>
                   </a:solidFill>
@@ -3429,7 +3434,7 @@
             </a:ln>
             <a:extLst>
               <a:ext uri="{91240B29-F687-4f45-9708-019B960494DF}">
-                <a14:hiddenLine xmlns:a14="http://schemas.microsoft.com/office/drawing/2010/main" xmlns="" w="9525">
+                <a14:hiddenLine xmlns="" xmlns:a14="http://schemas.microsoft.com/office/drawing/2010/main" w="9525">
                   <a:solidFill>
                     <a:srgbClr val="000000"/>
                   </a:solidFill>
@@ -3519,7 +3524,7 @@
             </a:ln>
             <a:extLst>
               <a:ext uri="{91240B29-F687-4f45-9708-019B960494DF}">
-                <a14:hiddenLine xmlns:a14="http://schemas.microsoft.com/office/drawing/2010/main" xmlns="" w="9525">
+                <a14:hiddenLine xmlns="" xmlns:a14="http://schemas.microsoft.com/office/drawing/2010/main" w="9525">
                   <a:solidFill>
                     <a:srgbClr val="000000"/>
                   </a:solidFill>
@@ -3609,7 +3614,7 @@
             </a:ln>
             <a:extLst>
               <a:ext uri="{91240B29-F687-4f45-9708-019B960494DF}">
-                <a14:hiddenLine xmlns:a14="http://schemas.microsoft.com/office/drawing/2010/main" xmlns="" w="9525">
+                <a14:hiddenLine xmlns="" xmlns:a14="http://schemas.microsoft.com/office/drawing/2010/main" w="9525">
                   <a:solidFill>
                     <a:srgbClr val="000000"/>
                   </a:solidFill>
@@ -3674,7 +3679,7 @@
             </a:ln>
             <a:extLst>
               <a:ext uri="{91240B29-F687-4f45-9708-019B960494DF}">
-                <a14:hiddenLine xmlns:a14="http://schemas.microsoft.com/office/drawing/2010/main" xmlns="" w="9525">
+                <a14:hiddenLine xmlns="" xmlns:a14="http://schemas.microsoft.com/office/drawing/2010/main" w="9525">
                   <a:solidFill>
                     <a:srgbClr val="000000"/>
                   </a:solidFill>
@@ -3736,7 +3741,7 @@
             </a:ln>
             <a:extLst>
               <a:ext uri="{91240B29-F687-4f45-9708-019B960494DF}">
-                <a14:hiddenLine xmlns:a14="http://schemas.microsoft.com/office/drawing/2010/main" xmlns="" w="9525">
+                <a14:hiddenLine xmlns="" xmlns:a14="http://schemas.microsoft.com/office/drawing/2010/main" w="9525">
                   <a:solidFill>
                     <a:srgbClr val="000000"/>
                   </a:solidFill>
@@ -3826,7 +3831,7 @@
             </a:ln>
             <a:extLst>
               <a:ext uri="{91240B29-F687-4f45-9708-019B960494DF}">
-                <a14:hiddenLine xmlns:a14="http://schemas.microsoft.com/office/drawing/2010/main" xmlns="" w="9525">
+                <a14:hiddenLine xmlns="" xmlns:a14="http://schemas.microsoft.com/office/drawing/2010/main" w="9525">
                   <a:solidFill>
                     <a:srgbClr val="000000"/>
                   </a:solidFill>
@@ -3916,7 +3921,7 @@
             </a:ln>
             <a:extLst>
               <a:ext uri="{91240B29-F687-4f45-9708-019B960494DF}">
-                <a14:hiddenLine xmlns:a14="http://schemas.microsoft.com/office/drawing/2010/main" xmlns="" w="9525">
+                <a14:hiddenLine xmlns="" xmlns:a14="http://schemas.microsoft.com/office/drawing/2010/main" w="9525">
                   <a:solidFill>
                     <a:srgbClr val="000000"/>
                   </a:solidFill>
@@ -3978,7 +3983,7 @@
             </a:ln>
             <a:extLst>
               <a:ext uri="{91240B29-F687-4f45-9708-019B960494DF}">
-                <a14:hiddenLine xmlns:a14="http://schemas.microsoft.com/office/drawing/2010/main" xmlns="" w="9525">
+                <a14:hiddenLine xmlns="" xmlns:a14="http://schemas.microsoft.com/office/drawing/2010/main" w="9525">
                   <a:solidFill>
                     <a:srgbClr val="000000"/>
                   </a:solidFill>
@@ -4098,7 +4103,7 @@
             </a:ln>
             <a:extLst>
               <a:ext uri="{91240B29-F687-4f45-9708-019B960494DF}">
-                <a14:hiddenLine xmlns:a14="http://schemas.microsoft.com/office/drawing/2010/main" xmlns="" w="9525">
+                <a14:hiddenLine xmlns="" xmlns:a14="http://schemas.microsoft.com/office/drawing/2010/main" w="9525">
                   <a:solidFill>
                     <a:srgbClr val="000000"/>
                   </a:solidFill>
@@ -4166,7 +4171,7 @@
             </a:ln>
             <a:extLst>
               <a:ext uri="{91240B29-F687-4f45-9708-019B960494DF}">
-                <a14:hiddenLine xmlns:a14="http://schemas.microsoft.com/office/drawing/2010/main" xmlns="" w="9525">
+                <a14:hiddenLine xmlns="" xmlns:a14="http://schemas.microsoft.com/office/drawing/2010/main" w="9525">
                   <a:solidFill>
                     <a:srgbClr val="000000"/>
                   </a:solidFill>
@@ -4256,7 +4261,7 @@
             </a:ln>
             <a:extLst>
               <a:ext uri="{91240B29-F687-4f45-9708-019B960494DF}">
-                <a14:hiddenLine xmlns:a14="http://schemas.microsoft.com/office/drawing/2010/main" xmlns="" w="9525">
+                <a14:hiddenLine xmlns="" xmlns:a14="http://schemas.microsoft.com/office/drawing/2010/main" w="9525">
                   <a:solidFill>
                     <a:srgbClr val="000000"/>
                   </a:solidFill>
@@ -4396,7 +4401,7 @@
           <a:p>
             <a:fld id="{42F04774-7C70-40C0-A639-A262AC38C92D}" type="datetimeFigureOut">
               <a:rPr lang="en-US" smtClean="0"/>
-              <a:t>22/9/2019</a:t>
+              <a:t>23/9/2019</a:t>
             </a:fld>
             <a:endParaRPr lang="en-US"/>
           </a:p>
@@ -4663,7 +4668,7 @@
           <a:p>
             <a:fld id="{42F04774-7C70-40C0-A639-A262AC38C92D}" type="datetimeFigureOut">
               <a:rPr lang="en-US" smtClean="0"/>
-              <a:t>22/9/2019</a:t>
+              <a:t>23/9/2019</a:t>
             </a:fld>
             <a:endParaRPr lang="en-US"/>
           </a:p>
@@ -4859,7 +4864,7 @@
           <a:p>
             <a:fld id="{42F04774-7C70-40C0-A639-A262AC38C92D}" type="datetimeFigureOut">
               <a:rPr lang="en-US" smtClean="0"/>
-              <a:t>22/9/2019</a:t>
+              <a:t>23/9/2019</a:t>
             </a:fld>
             <a:endParaRPr lang="en-US"/>
           </a:p>
@@ -5122,7 +5127,7 @@
           <a:p>
             <a:fld id="{42F04774-7C70-40C0-A639-A262AC38C92D}" type="datetimeFigureOut">
               <a:rPr lang="en-US" smtClean="0"/>
-              <a:t>22/9/2019</a:t>
+              <a:t>23/9/2019</a:t>
             </a:fld>
             <a:endParaRPr lang="en-US"/>
           </a:p>
@@ -5556,7 +5561,7 @@
           <a:p>
             <a:fld id="{42F04774-7C70-40C0-A639-A262AC38C92D}" type="datetimeFigureOut">
               <a:rPr lang="en-US" smtClean="0"/>
-              <a:t>22/9/2019</a:t>
+              <a:t>23/9/2019</a:t>
             </a:fld>
             <a:endParaRPr lang="en-US"/>
           </a:p>
@@ -6102,7 +6107,7 @@
           <a:p>
             <a:fld id="{42F04774-7C70-40C0-A639-A262AC38C92D}" type="datetimeFigureOut">
               <a:rPr lang="en-US" smtClean="0"/>
-              <a:t>22/9/2019</a:t>
+              <a:t>23/9/2019</a:t>
             </a:fld>
             <a:endParaRPr lang="en-US"/>
           </a:p>
@@ -6822,7 +6827,7 @@
           <a:p>
             <a:fld id="{42F04774-7C70-40C0-A639-A262AC38C92D}" type="datetimeFigureOut">
               <a:rPr lang="en-US" smtClean="0"/>
-              <a:t>22/9/2019</a:t>
+              <a:t>23/9/2019</a:t>
             </a:fld>
             <a:endParaRPr lang="en-US"/>
           </a:p>
@@ -6992,7 +6997,7 @@
           <a:p>
             <a:fld id="{42F04774-7C70-40C0-A639-A262AC38C92D}" type="datetimeFigureOut">
               <a:rPr lang="en-US" smtClean="0"/>
-              <a:t>22/9/2019</a:t>
+              <a:t>23/9/2019</a:t>
             </a:fld>
             <a:endParaRPr lang="en-US"/>
           </a:p>
@@ -7172,7 +7177,7 @@
           <a:p>
             <a:fld id="{42F04774-7C70-40C0-A639-A262AC38C92D}" type="datetimeFigureOut">
               <a:rPr lang="en-US" smtClean="0"/>
-              <a:t>22/9/2019</a:t>
+              <a:t>23/9/2019</a:t>
             </a:fld>
             <a:endParaRPr lang="en-US"/>
           </a:p>
@@ -7342,7 +7347,7 @@
           <a:p>
             <a:fld id="{42F04774-7C70-40C0-A639-A262AC38C92D}" type="datetimeFigureOut">
               <a:rPr lang="en-US" smtClean="0"/>
-              <a:t>22/9/2019</a:t>
+              <a:t>23/9/2019</a:t>
             </a:fld>
             <a:endParaRPr lang="en-US"/>
           </a:p>
@@ -7592,7 +7597,7 @@
           <a:p>
             <a:fld id="{42F04774-7C70-40C0-A639-A262AC38C92D}" type="datetimeFigureOut">
               <a:rPr lang="en-US" smtClean="0"/>
-              <a:t>22/9/2019</a:t>
+              <a:t>23/9/2019</a:t>
             </a:fld>
             <a:endParaRPr lang="en-US"/>
           </a:p>
@@ -7824,7 +7829,7 @@
           <a:p>
             <a:fld id="{42F04774-7C70-40C0-A639-A262AC38C92D}" type="datetimeFigureOut">
               <a:rPr lang="en-US" smtClean="0"/>
-              <a:t>22/9/2019</a:t>
+              <a:t>23/9/2019</a:t>
             </a:fld>
             <a:endParaRPr lang="en-US"/>
           </a:p>
@@ -8205,7 +8210,7 @@
           <a:p>
             <a:fld id="{42F04774-7C70-40C0-A639-A262AC38C92D}" type="datetimeFigureOut">
               <a:rPr lang="en-US" smtClean="0"/>
-              <a:t>22/9/2019</a:t>
+              <a:t>23/9/2019</a:t>
             </a:fld>
             <a:endParaRPr lang="en-US"/>
           </a:p>
@@ -8323,7 +8328,7 @@
           <a:p>
             <a:fld id="{42F04774-7C70-40C0-A639-A262AC38C92D}" type="datetimeFigureOut">
               <a:rPr lang="en-US" smtClean="0"/>
-              <a:t>22/9/2019</a:t>
+              <a:t>23/9/2019</a:t>
             </a:fld>
             <a:endParaRPr lang="en-US"/>
           </a:p>
@@ -8418,7 +8423,7 @@
           <a:p>
             <a:fld id="{42F04774-7C70-40C0-A639-A262AC38C92D}" type="datetimeFigureOut">
               <a:rPr lang="en-US" smtClean="0"/>
-              <a:t>22/9/2019</a:t>
+              <a:t>23/9/2019</a:t>
             </a:fld>
             <a:endParaRPr lang="en-US"/>
           </a:p>
@@ -8667,7 +8672,7 @@
           <a:p>
             <a:fld id="{42F04774-7C70-40C0-A639-A262AC38C92D}" type="datetimeFigureOut">
               <a:rPr lang="en-US" smtClean="0"/>
-              <a:t>22/9/2019</a:t>
+              <a:t>23/9/2019</a:t>
             </a:fld>
             <a:endParaRPr lang="en-US"/>
           </a:p>
@@ -8947,7 +8952,7 @@
           <a:p>
             <a:fld id="{42F04774-7C70-40C0-A639-A262AC38C92D}" type="datetimeFigureOut">
               <a:rPr lang="en-US" smtClean="0"/>
-              <a:t>22/9/2019</a:t>
+              <a:t>23/9/2019</a:t>
             </a:fld>
             <a:endParaRPr lang="en-US"/>
           </a:p>
@@ -9063,7 +9068,7 @@
           <a:noFill/>
           <a:extLst>
             <a:ext uri="{909E8E84-426E-40dd-AFC4-6F175D3DCCD1}">
-              <a14:hiddenFill xmlns:a14="http://schemas.microsoft.com/office/drawing/2010/main" xmlns="">
+              <a14:hiddenFill xmlns="" xmlns:a14="http://schemas.microsoft.com/office/drawing/2010/main">
                 <a:solidFill>
                   <a:srgbClr val="FFFFFF"/>
                 </a:solidFill>
@@ -9137,7 +9142,7 @@
               </a:ln>
               <a:extLst>
                 <a:ext uri="{91240B29-F687-4f45-9708-019B960494DF}">
-                  <a14:hiddenLine xmlns:a14="http://schemas.microsoft.com/office/drawing/2010/main" xmlns="" w="9525">
+                  <a14:hiddenLine xmlns="" xmlns:a14="http://schemas.microsoft.com/office/drawing/2010/main" w="9525">
                     <a:solidFill>
                       <a:srgbClr val="000000"/>
                     </a:solidFill>
@@ -9227,7 +9232,7 @@
               </a:ln>
               <a:extLst>
                 <a:ext uri="{91240B29-F687-4f45-9708-019B960494DF}">
-                  <a14:hiddenLine xmlns:a14="http://schemas.microsoft.com/office/drawing/2010/main" xmlns="" w="9525">
+                  <a14:hiddenLine xmlns="" xmlns:a14="http://schemas.microsoft.com/office/drawing/2010/main" w="9525">
                     <a:solidFill>
                       <a:srgbClr val="000000"/>
                     </a:solidFill>
@@ -9317,7 +9322,7 @@
               </a:ln>
               <a:extLst>
                 <a:ext uri="{91240B29-F687-4f45-9708-019B960494DF}">
-                  <a14:hiddenLine xmlns:a14="http://schemas.microsoft.com/office/drawing/2010/main" xmlns="" w="9525">
+                  <a14:hiddenLine xmlns="" xmlns:a14="http://schemas.microsoft.com/office/drawing/2010/main" w="9525">
                     <a:solidFill>
                       <a:srgbClr val="000000"/>
                     </a:solidFill>
@@ -9379,7 +9384,7 @@
               </a:ln>
               <a:extLst>
                 <a:ext uri="{91240B29-F687-4f45-9708-019B960494DF}">
-                  <a14:hiddenLine xmlns:a14="http://schemas.microsoft.com/office/drawing/2010/main" xmlns="" w="9525">
+                  <a14:hiddenLine xmlns="" xmlns:a14="http://schemas.microsoft.com/office/drawing/2010/main" w="9525">
                     <a:solidFill>
                       <a:srgbClr val="000000"/>
                     </a:solidFill>
@@ -9469,7 +9474,7 @@
               </a:ln>
               <a:extLst>
                 <a:ext uri="{91240B29-F687-4f45-9708-019B960494DF}">
-                  <a14:hiddenLine xmlns:a14="http://schemas.microsoft.com/office/drawing/2010/main" xmlns="" w="9525">
+                  <a14:hiddenLine xmlns="" xmlns:a14="http://schemas.microsoft.com/office/drawing/2010/main" w="9525">
                     <a:solidFill>
                       <a:srgbClr val="000000"/>
                     </a:solidFill>
@@ -9531,7 +9536,7 @@
               </a:ln>
               <a:extLst>
                 <a:ext uri="{91240B29-F687-4f45-9708-019B960494DF}">
-                  <a14:hiddenLine xmlns:a14="http://schemas.microsoft.com/office/drawing/2010/main" xmlns="" w="9525">
+                  <a14:hiddenLine xmlns="" xmlns:a14="http://schemas.microsoft.com/office/drawing/2010/main" w="9525">
                     <a:solidFill>
                       <a:srgbClr val="000000"/>
                     </a:solidFill>
@@ -9593,7 +9598,7 @@
               </a:ln>
               <a:extLst>
                 <a:ext uri="{91240B29-F687-4f45-9708-019B960494DF}">
-                  <a14:hiddenLine xmlns:a14="http://schemas.microsoft.com/office/drawing/2010/main" xmlns="" w="9525">
+                  <a14:hiddenLine xmlns="" xmlns:a14="http://schemas.microsoft.com/office/drawing/2010/main" w="9525">
                     <a:solidFill>
                       <a:srgbClr val="000000"/>
                     </a:solidFill>
@@ -9683,7 +9688,7 @@
               </a:ln>
               <a:extLst>
                 <a:ext uri="{91240B29-F687-4f45-9708-019B960494DF}">
-                  <a14:hiddenLine xmlns:a14="http://schemas.microsoft.com/office/drawing/2010/main" xmlns="" w="9525">
+                  <a14:hiddenLine xmlns="" xmlns:a14="http://schemas.microsoft.com/office/drawing/2010/main" w="9525">
                     <a:solidFill>
                       <a:srgbClr val="000000"/>
                     </a:solidFill>
@@ -9773,7 +9778,7 @@
               </a:ln>
               <a:extLst>
                 <a:ext uri="{91240B29-F687-4f45-9708-019B960494DF}">
-                  <a14:hiddenLine xmlns:a14="http://schemas.microsoft.com/office/drawing/2010/main" xmlns="" w="9525">
+                  <a14:hiddenLine xmlns="" xmlns:a14="http://schemas.microsoft.com/office/drawing/2010/main" w="9525">
                     <a:solidFill>
                       <a:srgbClr val="000000"/>
                     </a:solidFill>
@@ -9835,7 +9840,7 @@
               </a:ln>
               <a:extLst>
                 <a:ext uri="{91240B29-F687-4f45-9708-019B960494DF}">
-                  <a14:hiddenLine xmlns:a14="http://schemas.microsoft.com/office/drawing/2010/main" xmlns="" w="9525">
+                  <a14:hiddenLine xmlns="" xmlns:a14="http://schemas.microsoft.com/office/drawing/2010/main" w="9525">
                     <a:solidFill>
                       <a:srgbClr val="000000"/>
                     </a:solidFill>
@@ -9945,7 +9950,7 @@
               </a:ln>
               <a:extLst>
                 <a:ext uri="{91240B29-F687-4f45-9708-019B960494DF}">
-                  <a14:hiddenLine xmlns:a14="http://schemas.microsoft.com/office/drawing/2010/main" xmlns="" w="9525">
+                  <a14:hiddenLine xmlns="" xmlns:a14="http://schemas.microsoft.com/office/drawing/2010/main" w="9525">
                     <a:solidFill>
                       <a:srgbClr val="000000"/>
                     </a:solidFill>
@@ -10029,7 +10034,7 @@
               </a:ln>
               <a:extLst>
                 <a:ext uri="{91240B29-F687-4f45-9708-019B960494DF}">
-                  <a14:hiddenLine xmlns:a14="http://schemas.microsoft.com/office/drawing/2010/main" xmlns="" w="9525">
+                  <a14:hiddenLine xmlns="" xmlns:a14="http://schemas.microsoft.com/office/drawing/2010/main" w="9525">
                     <a:solidFill>
                       <a:srgbClr val="000000"/>
                     </a:solidFill>
@@ -10091,7 +10096,7 @@
               </a:ln>
               <a:extLst>
                 <a:ext uri="{91240B29-F687-4f45-9708-019B960494DF}">
-                  <a14:hiddenLine xmlns:a14="http://schemas.microsoft.com/office/drawing/2010/main" xmlns="" w="9525">
+                  <a14:hiddenLine xmlns="" xmlns:a14="http://schemas.microsoft.com/office/drawing/2010/main" w="9525">
                     <a:solidFill>
                       <a:srgbClr val="000000"/>
                     </a:solidFill>
@@ -10153,7 +10158,7 @@
               </a:ln>
               <a:extLst>
                 <a:ext uri="{91240B29-F687-4f45-9708-019B960494DF}">
-                  <a14:hiddenLine xmlns:a14="http://schemas.microsoft.com/office/drawing/2010/main" xmlns="" w="9525">
+                  <a14:hiddenLine xmlns="" xmlns:a14="http://schemas.microsoft.com/office/drawing/2010/main" w="9525">
                     <a:solidFill>
                       <a:srgbClr val="000000"/>
                     </a:solidFill>
@@ -10243,7 +10248,7 @@
               </a:ln>
               <a:extLst>
                 <a:ext uri="{91240B29-F687-4f45-9708-019B960494DF}">
-                  <a14:hiddenLine xmlns:a14="http://schemas.microsoft.com/office/drawing/2010/main" xmlns="" w="9525">
+                  <a14:hiddenLine xmlns="" xmlns:a14="http://schemas.microsoft.com/office/drawing/2010/main" w="9525">
                     <a:solidFill>
                       <a:srgbClr val="000000"/>
                     </a:solidFill>
@@ -10277,7 +10282,7 @@
               </a:ln>
               <a:extLst>
                 <a:ext uri="{91240B29-F687-4f45-9708-019B960494DF}">
-                  <a14:hiddenLine xmlns:a14="http://schemas.microsoft.com/office/drawing/2010/main" xmlns="" w="9525">
+                  <a14:hiddenLine xmlns="" xmlns:a14="http://schemas.microsoft.com/office/drawing/2010/main" w="9525">
                     <a:solidFill>
                       <a:srgbClr val="000000"/>
                     </a:solidFill>
@@ -10342,7 +10347,7 @@
               </a:ln>
               <a:extLst>
                 <a:ext uri="{91240B29-F687-4f45-9708-019B960494DF}">
-                  <a14:hiddenLine xmlns:a14="http://schemas.microsoft.com/office/drawing/2010/main" xmlns="" w="9525">
+                  <a14:hiddenLine xmlns="" xmlns:a14="http://schemas.microsoft.com/office/drawing/2010/main" w="9525">
                     <a:solidFill>
                       <a:srgbClr val="000000"/>
                     </a:solidFill>
@@ -10432,7 +10437,7 @@
               </a:ln>
               <a:extLst>
                 <a:ext uri="{91240B29-F687-4f45-9708-019B960494DF}">
-                  <a14:hiddenLine xmlns:a14="http://schemas.microsoft.com/office/drawing/2010/main" xmlns="" w="9525">
+                  <a14:hiddenLine xmlns="" xmlns:a14="http://schemas.microsoft.com/office/drawing/2010/main" w="9525">
                     <a:solidFill>
                       <a:srgbClr val="000000"/>
                     </a:solidFill>
@@ -10494,7 +10499,7 @@
               </a:ln>
               <a:extLst>
                 <a:ext uri="{91240B29-F687-4f45-9708-019B960494DF}">
-                  <a14:hiddenLine xmlns:a14="http://schemas.microsoft.com/office/drawing/2010/main" xmlns="" w="9525">
+                  <a14:hiddenLine xmlns="" xmlns:a14="http://schemas.microsoft.com/office/drawing/2010/main" w="9525">
                     <a:solidFill>
                       <a:srgbClr val="000000"/>
                     </a:solidFill>
@@ -10584,7 +10589,7 @@
               </a:ln>
               <a:extLst>
                 <a:ext uri="{91240B29-F687-4f45-9708-019B960494DF}">
-                  <a14:hiddenLine xmlns:a14="http://schemas.microsoft.com/office/drawing/2010/main" xmlns="" w="9525">
+                  <a14:hiddenLine xmlns="" xmlns:a14="http://schemas.microsoft.com/office/drawing/2010/main" w="9525">
                     <a:solidFill>
                       <a:srgbClr val="000000"/>
                     </a:solidFill>
@@ -10649,7 +10654,7 @@
               </a:ln>
               <a:extLst>
                 <a:ext uri="{91240B29-F687-4f45-9708-019B960494DF}">
-                  <a14:hiddenLine xmlns:a14="http://schemas.microsoft.com/office/drawing/2010/main" xmlns="" w="9525">
+                  <a14:hiddenLine xmlns="" xmlns:a14="http://schemas.microsoft.com/office/drawing/2010/main" w="9525">
                     <a:solidFill>
                       <a:srgbClr val="000000"/>
                     </a:solidFill>
@@ -10711,7 +10716,7 @@
               </a:ln>
               <a:extLst>
                 <a:ext uri="{91240B29-F687-4f45-9708-019B960494DF}">
-                  <a14:hiddenLine xmlns:a14="http://schemas.microsoft.com/office/drawing/2010/main" xmlns="" w="9525">
+                  <a14:hiddenLine xmlns="" xmlns:a14="http://schemas.microsoft.com/office/drawing/2010/main" w="9525">
                     <a:solidFill>
                       <a:srgbClr val="000000"/>
                     </a:solidFill>
@@ -10801,7 +10806,7 @@
               </a:ln>
               <a:extLst>
                 <a:ext uri="{91240B29-F687-4f45-9708-019B960494DF}">
-                  <a14:hiddenLine xmlns:a14="http://schemas.microsoft.com/office/drawing/2010/main" xmlns="" w="9525">
+                  <a14:hiddenLine xmlns="" xmlns:a14="http://schemas.microsoft.com/office/drawing/2010/main" w="9525">
                     <a:solidFill>
                       <a:srgbClr val="000000"/>
                     </a:solidFill>
@@ -10891,7 +10896,7 @@
               </a:ln>
               <a:extLst>
                 <a:ext uri="{91240B29-F687-4f45-9708-019B960494DF}">
-                  <a14:hiddenLine xmlns:a14="http://schemas.microsoft.com/office/drawing/2010/main" xmlns="" w="9525">
+                  <a14:hiddenLine xmlns="" xmlns:a14="http://schemas.microsoft.com/office/drawing/2010/main" w="9525">
                     <a:solidFill>
                       <a:srgbClr val="000000"/>
                     </a:solidFill>
@@ -10956,7 +10961,7 @@
               </a:ln>
               <a:extLst>
                 <a:ext uri="{91240B29-F687-4f45-9708-019B960494DF}">
-                  <a14:hiddenLine xmlns:a14="http://schemas.microsoft.com/office/drawing/2010/main" xmlns="" w="9525">
+                  <a14:hiddenLine xmlns="" xmlns:a14="http://schemas.microsoft.com/office/drawing/2010/main" w="9525">
                     <a:solidFill>
                       <a:srgbClr val="000000"/>
                     </a:solidFill>
@@ -11076,7 +11081,7 @@
               </a:ln>
               <a:extLst>
                 <a:ext uri="{91240B29-F687-4f45-9708-019B960494DF}">
-                  <a14:hiddenLine xmlns:a14="http://schemas.microsoft.com/office/drawing/2010/main" xmlns="" w="9525">
+                  <a14:hiddenLine xmlns="" xmlns:a14="http://schemas.microsoft.com/office/drawing/2010/main" w="9525">
                     <a:solidFill>
                       <a:srgbClr val="000000"/>
                     </a:solidFill>
@@ -11174,7 +11179,7 @@
               </a:ln>
               <a:extLst>
                 <a:ext uri="{91240B29-F687-4f45-9708-019B960494DF}">
-                  <a14:hiddenLine xmlns:a14="http://schemas.microsoft.com/office/drawing/2010/main" xmlns="" w="9525">
+                  <a14:hiddenLine xmlns="" xmlns:a14="http://schemas.microsoft.com/office/drawing/2010/main" w="9525">
                     <a:solidFill>
                       <a:srgbClr val="000000"/>
                     </a:solidFill>
@@ -11289,7 +11294,7 @@
               </a:ln>
               <a:extLst>
                 <a:ext uri="{91240B29-F687-4f45-9708-019B960494DF}">
-                  <a14:hiddenLine xmlns:a14="http://schemas.microsoft.com/office/drawing/2010/main" xmlns="" w="9525">
+                  <a14:hiddenLine xmlns="" xmlns:a14="http://schemas.microsoft.com/office/drawing/2010/main" w="9525">
                     <a:solidFill>
                       <a:srgbClr val="000000"/>
                     </a:solidFill>
@@ -11379,7 +11384,7 @@
               </a:ln>
               <a:extLst>
                 <a:ext uri="{91240B29-F687-4f45-9708-019B960494DF}">
-                  <a14:hiddenLine xmlns:a14="http://schemas.microsoft.com/office/drawing/2010/main" xmlns="" w="9525">
+                  <a14:hiddenLine xmlns="" xmlns:a14="http://schemas.microsoft.com/office/drawing/2010/main" w="9525">
                     <a:solidFill>
                       <a:srgbClr val="000000"/>
                     </a:solidFill>
@@ -11444,7 +11449,7 @@
               </a:ln>
               <a:extLst>
                 <a:ext uri="{91240B29-F687-4f45-9708-019B960494DF}">
-                  <a14:hiddenLine xmlns:a14="http://schemas.microsoft.com/office/drawing/2010/main" xmlns="" w="9525">
+                  <a14:hiddenLine xmlns="" xmlns:a14="http://schemas.microsoft.com/office/drawing/2010/main" w="9525">
                     <a:solidFill>
                       <a:srgbClr val="000000"/>
                     </a:solidFill>
@@ -11534,7 +11539,7 @@
               </a:ln>
               <a:extLst>
                 <a:ext uri="{91240B29-F687-4f45-9708-019B960494DF}">
-                  <a14:hiddenLine xmlns:a14="http://schemas.microsoft.com/office/drawing/2010/main" xmlns="" w="9525">
+                  <a14:hiddenLine xmlns="" xmlns:a14="http://schemas.microsoft.com/office/drawing/2010/main" w="9525">
                     <a:solidFill>
                       <a:srgbClr val="000000"/>
                     </a:solidFill>
@@ -11602,7 +11607,7 @@
               </a:ln>
               <a:extLst>
                 <a:ext uri="{91240B29-F687-4f45-9708-019B960494DF}">
-                  <a14:hiddenLine xmlns:a14="http://schemas.microsoft.com/office/drawing/2010/main" xmlns="" w="9525">
+                  <a14:hiddenLine xmlns="" xmlns:a14="http://schemas.microsoft.com/office/drawing/2010/main" w="9525">
                     <a:solidFill>
                       <a:srgbClr val="000000"/>
                     </a:solidFill>
@@ -11692,7 +11697,7 @@
               </a:ln>
               <a:extLst>
                 <a:ext uri="{91240B29-F687-4f45-9708-019B960494DF}">
-                  <a14:hiddenLine xmlns:a14="http://schemas.microsoft.com/office/drawing/2010/main" xmlns="" w="9525">
+                  <a14:hiddenLine xmlns="" xmlns:a14="http://schemas.microsoft.com/office/drawing/2010/main" w="9525">
                     <a:solidFill>
                       <a:srgbClr val="000000"/>
                     </a:solidFill>
@@ -11760,7 +11765,7 @@
               </a:ln>
               <a:extLst>
                 <a:ext uri="{91240B29-F687-4f45-9708-019B960494DF}">
-                  <a14:hiddenLine xmlns:a14="http://schemas.microsoft.com/office/drawing/2010/main" xmlns="" w="9525">
+                  <a14:hiddenLine xmlns="" xmlns:a14="http://schemas.microsoft.com/office/drawing/2010/main" w="9525">
                     <a:solidFill>
                       <a:srgbClr val="000000"/>
                     </a:solidFill>
@@ -11850,7 +11855,7 @@
               </a:ln>
               <a:extLst>
                 <a:ext uri="{91240B29-F687-4f45-9708-019B960494DF}">
-                  <a14:hiddenLine xmlns:a14="http://schemas.microsoft.com/office/drawing/2010/main" xmlns="" w="9525">
+                  <a14:hiddenLine xmlns="" xmlns:a14="http://schemas.microsoft.com/office/drawing/2010/main" w="9525">
                     <a:solidFill>
                       <a:srgbClr val="000000"/>
                     </a:solidFill>
@@ -11884,7 +11889,7 @@
               </a:ln>
               <a:extLst>
                 <a:ext uri="{91240B29-F687-4f45-9708-019B960494DF}">
-                  <a14:hiddenLine xmlns:a14="http://schemas.microsoft.com/office/drawing/2010/main" xmlns="" w="9525">
+                  <a14:hiddenLine xmlns="" xmlns:a14="http://schemas.microsoft.com/office/drawing/2010/main" w="9525">
                     <a:solidFill>
                       <a:srgbClr val="000000"/>
                     </a:solidFill>
@@ -12024,7 +12029,7 @@
           <a:p>
             <a:fld id="{42F04774-7C70-40C0-A639-A262AC38C92D}" type="datetimeFigureOut">
               <a:rPr lang="en-US" smtClean="0"/>
-              <a:t>22/9/2019</a:t>
+              <a:t>23/9/2019</a:t>
             </a:fld>
             <a:endParaRPr lang="en-US"/>
           </a:p>
@@ -12709,6 +12714,14 @@
               <a:rPr lang="en-US" dirty="0" err="1"/>
               <a:t>karyawan</a:t>
             </a:r>
+            <a:r>
+              <a:rPr lang="en-US" dirty="0"/>
+              <a:t> &amp; </a:t>
+            </a:r>
+            <a:r>
+              <a:rPr lang="en-US" dirty="0" err="1"/>
+              <a:t>dosen</a:t>
+            </a:r>
             <a:endParaRPr lang="en-US" dirty="0"/>
           </a:p>
           <a:p>
